--- a/我在這裡讚美.pptx
+++ b/我在這裡讚美.pptx
@@ -5,7 +5,15 @@
     <p:sldMasterId id="2147483672" r:id="rId1"/>
   </p:sldMasterIdLst>
   <p:sldIdLst>
-    <p:sldId id="257" r:id="rId2"/>
+    <p:sldId id="256" r:id="rId2"/>
+    <p:sldId id="257" r:id="rId3"/>
+    <p:sldId id="258" r:id="rId4"/>
+    <p:sldId id="259" r:id="rId5"/>
+    <p:sldId id="260" r:id="rId6"/>
+    <p:sldId id="261" r:id="rId7"/>
+    <p:sldId id="262" r:id="rId8"/>
+    <p:sldId id="263" r:id="rId9"/>
+    <p:sldId id="264" r:id="rId10"/>
   </p:sldIdLst>
   <p:sldSz cx="12192000" cy="6858000"/>
   <p:notesSz cx="6858000" cy="9144000"/>
@@ -305,7 +313,7 @@
             <a:fld id="{6186A62F-02E4-469E-A6EC-8E007EBD8C44}" type="datetimeFigureOut">
               <a:rPr lang="zh-TW" altLang="en-US" smtClean="0"/>
               <a:pPr/>
-              <a:t>2019/11/16</a:t>
+              <a:t>2021/1/2</a:t>
             </a:fld>
             <a:endParaRPr lang="zh-TW" altLang="en-US"/>
           </a:p>
@@ -477,7 +485,7 @@
             <a:fld id="{6186A62F-02E4-469E-A6EC-8E007EBD8C44}" type="datetimeFigureOut">
               <a:rPr lang="zh-TW" altLang="en-US" smtClean="0"/>
               <a:pPr/>
-              <a:t>2019/11/16</a:t>
+              <a:t>2021/1/2</a:t>
             </a:fld>
             <a:endParaRPr lang="zh-TW" altLang="en-US"/>
           </a:p>
@@ -659,7 +667,7 @@
             <a:fld id="{6186A62F-02E4-469E-A6EC-8E007EBD8C44}" type="datetimeFigureOut">
               <a:rPr lang="zh-TW" altLang="en-US" smtClean="0"/>
               <a:pPr/>
-              <a:t>2019/11/16</a:t>
+              <a:t>2021/1/2</a:t>
             </a:fld>
             <a:endParaRPr lang="zh-TW" altLang="en-US"/>
           </a:p>
@@ -831,7 +839,7 @@
             <a:fld id="{6186A62F-02E4-469E-A6EC-8E007EBD8C44}" type="datetimeFigureOut">
               <a:rPr lang="zh-TW" altLang="en-US" smtClean="0"/>
               <a:pPr/>
-              <a:t>2019/11/16</a:t>
+              <a:t>2021/1/2</a:t>
             </a:fld>
             <a:endParaRPr lang="zh-TW" altLang="en-US"/>
           </a:p>
@@ -1079,7 +1087,7 @@
             <a:fld id="{6186A62F-02E4-469E-A6EC-8E007EBD8C44}" type="datetimeFigureOut">
               <a:rPr lang="zh-TW" altLang="en-US" smtClean="0"/>
               <a:pPr/>
-              <a:t>2019/11/16</a:t>
+              <a:t>2021/1/2</a:t>
             </a:fld>
             <a:endParaRPr lang="zh-TW" altLang="en-US"/>
           </a:p>
@@ -1369,7 +1377,7 @@
             <a:fld id="{6186A62F-02E4-469E-A6EC-8E007EBD8C44}" type="datetimeFigureOut">
               <a:rPr lang="zh-TW" altLang="en-US" smtClean="0"/>
               <a:pPr/>
-              <a:t>2019/11/16</a:t>
+              <a:t>2021/1/2</a:t>
             </a:fld>
             <a:endParaRPr lang="zh-TW" altLang="en-US"/>
           </a:p>
@@ -1793,7 +1801,7 @@
             <a:fld id="{6186A62F-02E4-469E-A6EC-8E007EBD8C44}" type="datetimeFigureOut">
               <a:rPr lang="zh-TW" altLang="en-US" smtClean="0"/>
               <a:pPr/>
-              <a:t>2019/11/16</a:t>
+              <a:t>2021/1/2</a:t>
             </a:fld>
             <a:endParaRPr lang="zh-TW" altLang="en-US"/>
           </a:p>
@@ -1913,7 +1921,7 @@
             <a:fld id="{6186A62F-02E4-469E-A6EC-8E007EBD8C44}" type="datetimeFigureOut">
               <a:rPr lang="zh-TW" altLang="en-US" smtClean="0"/>
               <a:pPr/>
-              <a:t>2019/11/16</a:t>
+              <a:t>2021/1/2</a:t>
             </a:fld>
             <a:endParaRPr lang="zh-TW" altLang="en-US"/>
           </a:p>
@@ -2010,7 +2018,7 @@
             <a:fld id="{6186A62F-02E4-469E-A6EC-8E007EBD8C44}" type="datetimeFigureOut">
               <a:rPr lang="zh-TW" altLang="en-US" smtClean="0"/>
               <a:pPr/>
-              <a:t>2019/11/16</a:t>
+              <a:t>2021/1/2</a:t>
             </a:fld>
             <a:endParaRPr lang="zh-TW" altLang="en-US"/>
           </a:p>
@@ -2289,7 +2297,7 @@
             <a:fld id="{6186A62F-02E4-469E-A6EC-8E007EBD8C44}" type="datetimeFigureOut">
               <a:rPr lang="zh-TW" altLang="en-US" smtClean="0"/>
               <a:pPr/>
-              <a:t>2019/11/16</a:t>
+              <a:t>2021/1/2</a:t>
             </a:fld>
             <a:endParaRPr lang="zh-TW" altLang="en-US"/>
           </a:p>
@@ -2548,7 +2556,7 @@
             <a:fld id="{6186A62F-02E4-469E-A6EC-8E007EBD8C44}" type="datetimeFigureOut">
               <a:rPr lang="zh-TW" altLang="en-US" smtClean="0"/>
               <a:pPr/>
-              <a:t>2019/11/16</a:t>
+              <a:t>2021/1/2</a:t>
             </a:fld>
             <a:endParaRPr lang="zh-TW" altLang="en-US"/>
           </a:p>
@@ -2768,7 +2776,7 @@
             <a:fld id="{6186A62F-02E4-469E-A6EC-8E007EBD8C44}" type="datetimeFigureOut">
               <a:rPr lang="zh-TW" altLang="en-US" smtClean="0"/>
               <a:pPr/>
-              <a:t>2019/11/16</a:t>
+              <a:t>2021/1/2</a:t>
             </a:fld>
             <a:endParaRPr lang="zh-TW" altLang="en-US"/>
           </a:p>
@@ -3146,7 +3154,7 @@
       </p:grpSpPr>
       <p:sp>
         <p:nvSpPr>
-          <p:cNvPr id="2" name="標題 1"/>
+          <p:cNvPr id="4" name="標題 3"/>
           <p:cNvSpPr>
             <a:spLocks noGrp="1"/>
           </p:cNvSpPr>
@@ -3156,342 +3164,1541 @@
         </p:nvSpPr>
         <p:spPr>
           <a:xfrm>
-            <a:off x="815778" y="428605"/>
-            <a:ext cx="10666761" cy="924475"/>
+            <a:off x="0" y="2857513"/>
+            <a:ext cx="12192000" cy="1143000"/>
           </a:xfrm>
         </p:spPr>
         <p:txBody>
           <a:bodyPr>
-            <a:normAutofit/>
-          </a:bodyPr>
-          <a:lstStyle/>
-          <a:p>
-            <a:r>
-              <a:rPr lang="zh-TW" altLang="en-US" b="1" dirty="0">
-                <a:latin typeface="Microsoft JhengHei" panose="020B0604030504040204" pitchFamily="34" charset="-120"/>
-                <a:ea typeface="Microsoft JhengHei" panose="020B0604030504040204" pitchFamily="34" charset="-120"/>
-              </a:rPr>
-              <a:t>我在這裡讚美</a:t>
-            </a:r>
-          </a:p>
-        </p:txBody>
-      </p:sp>
-      <p:sp>
-        <p:nvSpPr>
-          <p:cNvPr id="3" name="內容版面配置區 2"/>
-          <p:cNvSpPr>
-            <a:spLocks noGrp="1"/>
-          </p:cNvSpPr>
-          <p:nvPr>
-            <p:ph idx="1"/>
-          </p:nvPr>
-        </p:nvSpPr>
-        <p:spPr>
-          <a:xfrm>
-            <a:off x="0" y="1500175"/>
-            <a:ext cx="12192000" cy="4929221"/>
-          </a:xfrm>
-        </p:spPr>
-        <p:txBody>
-          <a:bodyPr anchor="t">
             <a:noAutofit/>
           </a:bodyPr>
           <a:lstStyle/>
           <a:p>
-            <a:pPr algn="ctr">
-              <a:buNone/>
-            </a:pPr>
-            <a:r>
-              <a:rPr lang="zh-TW" altLang="en-US" sz="5400" b="1" dirty="0">
-                <a:latin typeface="Microsoft JhengHei" panose="020B0604030504040204" pitchFamily="34" charset="-120"/>
-                <a:ea typeface="Microsoft JhengHei" panose="020B0604030504040204" pitchFamily="34" charset="-120"/>
-              </a:rPr>
-              <a:t>我在這裡</a:t>
-            </a:r>
-            <a:r>
-              <a:rPr lang="zh-TW" altLang="en-US" sz="5400" b="1" dirty="0">
-                <a:latin typeface="Microsoft JhengHei" panose="020B0604030504040204" pitchFamily="34" charset="-120"/>
-                <a:ea typeface="Microsoft JhengHei" panose="020B0604030504040204" pitchFamily="34" charset="-120"/>
-              </a:rPr>
-              <a:t>讚</a:t>
-            </a:r>
-            <a:r>
-              <a:rPr lang="zh-TW" altLang="en-US" sz="5400" b="1" dirty="0" smtClean="0">
-                <a:latin typeface="Microsoft JhengHei" panose="020B0604030504040204" pitchFamily="34" charset="-120"/>
-                <a:ea typeface="Microsoft JhengHei" panose="020B0604030504040204" pitchFamily="34" charset="-120"/>
-              </a:rPr>
-              <a:t>美</a:t>
-            </a:r>
-            <a:r>
-              <a:rPr lang="zh-CN" altLang="en-US" sz="5400" b="1" dirty="0" smtClean="0">
-                <a:latin typeface="Microsoft JhengHei" panose="020B0604030504040204" pitchFamily="34" charset="-120"/>
-                <a:ea typeface="Microsoft JhengHei" panose="020B0604030504040204" pitchFamily="34" charset="-120"/>
-              </a:rPr>
-              <a:t>  </a:t>
-            </a:r>
-            <a:r>
-              <a:rPr lang="zh-TW" altLang="en-US" sz="5400" b="1" dirty="0" smtClean="0">
-                <a:latin typeface="Microsoft JhengHei" panose="020B0604030504040204" pitchFamily="34" charset="-120"/>
-                <a:ea typeface="Microsoft JhengHei" panose="020B0604030504040204" pitchFamily="34" charset="-120"/>
+            <a:r>
+              <a:rPr lang="zh-TW" altLang="en-US" sz="7200" b="1" i="1" dirty="0">
+                <a:solidFill>
+                  <a:srgbClr val="660033"/>
+                </a:solidFill>
+                <a:effectLst>
+                  <a:outerShdw blurRad="38100" dist="38100" dir="2700000" algn="tl">
+                    <a:srgbClr val="000000">
+                      <a:alpha val="43137"/>
+                    </a:srgbClr>
+                  </a:outerShdw>
+                </a:effectLst>
+                <a:latin typeface="微軟正黑體" pitchFamily="34" charset="-120"/>
+                <a:ea typeface="微軟正黑體" pitchFamily="34" charset="-120"/>
               </a:rPr>
               <a:t>我</a:t>
             </a:r>
             <a:r>
-              <a:rPr lang="zh-TW" altLang="en-US" sz="5400" b="1" dirty="0">
-                <a:latin typeface="Microsoft JhengHei" panose="020B0604030504040204" pitchFamily="34" charset="-120"/>
-                <a:ea typeface="Microsoft JhengHei" panose="020B0604030504040204" pitchFamily="34" charset="-120"/>
-              </a:rPr>
-              <a:t>在那裡</a:t>
-            </a:r>
-            <a:r>
-              <a:rPr lang="zh-TW" altLang="en-US" sz="5400" b="1" dirty="0">
-                <a:latin typeface="Microsoft JhengHei" panose="020B0604030504040204" pitchFamily="34" charset="-120"/>
-                <a:ea typeface="Microsoft JhengHei" panose="020B0604030504040204" pitchFamily="34" charset="-120"/>
-              </a:rPr>
-              <a:t>讚</a:t>
-            </a:r>
-            <a:r>
-              <a:rPr lang="zh-TW" altLang="en-US" sz="5400" b="1" dirty="0" smtClean="0">
-                <a:latin typeface="Microsoft JhengHei" panose="020B0604030504040204" pitchFamily="34" charset="-120"/>
-                <a:ea typeface="Microsoft JhengHei" panose="020B0604030504040204" pitchFamily="34" charset="-120"/>
-              </a:rPr>
-              <a:t>美</a:t>
-            </a:r>
-            <a:endParaRPr lang="en-US" altLang="zh-TW" sz="5400" b="1" dirty="0" smtClean="0">
-              <a:latin typeface="Microsoft JhengHei" panose="020B0604030504040204" pitchFamily="34" charset="-120"/>
-              <a:ea typeface="Microsoft JhengHei" panose="020B0604030504040204" pitchFamily="34" charset="-120"/>
-            </a:endParaRPr>
-          </a:p>
-          <a:p>
-            <a:pPr algn="ctr">
-              <a:buNone/>
-            </a:pPr>
-            <a:r>
-              <a:rPr lang="zh-TW" altLang="en-US" sz="5400" b="1" dirty="0" smtClean="0">
-                <a:latin typeface="Microsoft JhengHei" panose="020B0604030504040204" pitchFamily="34" charset="-120"/>
-                <a:ea typeface="Microsoft JhengHei" panose="020B0604030504040204" pitchFamily="34" charset="-120"/>
-              </a:rPr>
-              <a:t>我</a:t>
-            </a:r>
-            <a:r>
-              <a:rPr lang="zh-TW" altLang="en-US" sz="5400" b="1" dirty="0">
-                <a:latin typeface="Microsoft JhengHei" panose="020B0604030504040204" pitchFamily="34" charset="-120"/>
-                <a:ea typeface="Microsoft JhengHei" panose="020B0604030504040204" pitchFamily="34" charset="-120"/>
-              </a:rPr>
-              <a:t>在任何地方都是要</a:t>
-            </a:r>
-            <a:r>
-              <a:rPr lang="zh-TW" altLang="en-US" sz="5400" b="1" dirty="0">
-                <a:latin typeface="Microsoft JhengHei" panose="020B0604030504040204" pitchFamily="34" charset="-120"/>
-                <a:ea typeface="Microsoft JhengHei" panose="020B0604030504040204" pitchFamily="34" charset="-120"/>
-              </a:rPr>
-              <a:t>讚</a:t>
-            </a:r>
-            <a:r>
-              <a:rPr lang="zh-TW" altLang="en-US" sz="5400" b="1" dirty="0" smtClean="0">
-                <a:latin typeface="Microsoft JhengHei" panose="020B0604030504040204" pitchFamily="34" charset="-120"/>
-                <a:ea typeface="Microsoft JhengHei" panose="020B0604030504040204" pitchFamily="34" charset="-120"/>
-              </a:rPr>
-              <a:t>美</a:t>
-            </a:r>
-            <a:endParaRPr lang="en-US" altLang="zh-TW" sz="5400" b="1" dirty="0" smtClean="0">
-              <a:latin typeface="Microsoft JhengHei" panose="020B0604030504040204" pitchFamily="34" charset="-120"/>
-              <a:ea typeface="Microsoft JhengHei" panose="020B0604030504040204" pitchFamily="34" charset="-120"/>
-            </a:endParaRPr>
-          </a:p>
-          <a:p>
-            <a:pPr algn="ctr">
-              <a:buNone/>
-            </a:pPr>
-            <a:r>
-              <a:rPr lang="zh-TW" altLang="en-US" sz="5400" b="1" dirty="0">
-                <a:latin typeface="Microsoft JhengHei" panose="020B0604030504040204" pitchFamily="34" charset="-120"/>
-                <a:ea typeface="Microsoft JhengHei" panose="020B0604030504040204" pitchFamily="34" charset="-120"/>
-              </a:rPr>
-              <a:t>讚美</a:t>
-            </a:r>
-            <a:r>
-              <a:rPr lang="zh-CN" altLang="en-US" sz="5400" b="1" dirty="0">
-                <a:latin typeface="Microsoft JhengHei" panose="020B0604030504040204" pitchFamily="34" charset="-120"/>
-                <a:ea typeface="Microsoft JhengHei" panose="020B0604030504040204" pitchFamily="34" charset="-120"/>
-              </a:rPr>
-              <a:t>主</a:t>
-            </a:r>
-            <a:r>
-              <a:rPr lang="zh-TW" altLang="en-US" sz="5400" b="1" dirty="0">
-                <a:latin typeface="Microsoft JhengHei" panose="020B0604030504040204" pitchFamily="34" charset="-120"/>
-                <a:ea typeface="Microsoft JhengHei" panose="020B0604030504040204" pitchFamily="34" charset="-120"/>
-              </a:rPr>
-              <a:t>哈里路</a:t>
-            </a:r>
-            <a:r>
-              <a:rPr lang="zh-TW" altLang="en-US" sz="5400" b="1" dirty="0" smtClean="0">
-                <a:latin typeface="Microsoft JhengHei" panose="020B0604030504040204" pitchFamily="34" charset="-120"/>
-                <a:ea typeface="Microsoft JhengHei" panose="020B0604030504040204" pitchFamily="34" charset="-120"/>
-              </a:rPr>
-              <a:t>亞</a:t>
-            </a:r>
-            <a:r>
-              <a:rPr lang="en-US" altLang="zh-TW" sz="5400" b="1" dirty="0">
-                <a:latin typeface="Microsoft JhengHei" panose="020B0604030504040204" pitchFamily="34" charset="-120"/>
-                <a:ea typeface="Microsoft JhengHei" panose="020B0604030504040204" pitchFamily="34" charset="-120"/>
-              </a:rPr>
-              <a:t> </a:t>
-            </a:r>
-            <a:r>
-              <a:rPr lang="en-US" altLang="zh-TW" sz="5400" b="1" dirty="0" smtClean="0">
-                <a:latin typeface="Microsoft JhengHei" panose="020B0604030504040204" pitchFamily="34" charset="-120"/>
-                <a:ea typeface="Microsoft JhengHei" panose="020B0604030504040204" pitchFamily="34" charset="-120"/>
-              </a:rPr>
-              <a:t> </a:t>
-            </a:r>
-            <a:r>
-              <a:rPr lang="zh-TW" altLang="en-US" sz="5400" b="1" dirty="0" smtClean="0">
-                <a:latin typeface="Microsoft JhengHei" panose="020B0604030504040204" pitchFamily="34" charset="-120"/>
-                <a:ea typeface="Microsoft JhengHei" panose="020B0604030504040204" pitchFamily="34" charset="-120"/>
-              </a:rPr>
-              <a:t>哈</a:t>
-            </a:r>
-            <a:r>
-              <a:rPr lang="zh-TW" altLang="en-US" sz="5400" b="1" dirty="0">
-                <a:latin typeface="Microsoft JhengHei" panose="020B0604030504040204" pitchFamily="34" charset="-120"/>
-                <a:ea typeface="Microsoft JhengHei" panose="020B0604030504040204" pitchFamily="34" charset="-120"/>
-              </a:rPr>
-              <a:t>里路</a:t>
-            </a:r>
-            <a:r>
-              <a:rPr lang="zh-TW" altLang="en-US" sz="5400" b="1" dirty="0">
-                <a:latin typeface="Microsoft JhengHei" panose="020B0604030504040204" pitchFamily="34" charset="-120"/>
-                <a:ea typeface="Microsoft JhengHei" panose="020B0604030504040204" pitchFamily="34" charset="-120"/>
-              </a:rPr>
-              <a:t>亞</a:t>
-            </a:r>
-            <a:r>
-              <a:rPr lang="en-US" altLang="zh-TW" sz="5400" b="1" dirty="0">
-                <a:latin typeface="Microsoft JhengHei" panose="020B0604030504040204" pitchFamily="34" charset="-120"/>
-                <a:ea typeface="Microsoft JhengHei" panose="020B0604030504040204" pitchFamily="34" charset="-120"/>
-              </a:rPr>
-              <a:t>  </a:t>
-            </a:r>
-            <a:r>
-              <a:rPr lang="zh-TW" altLang="en-US" sz="5400" b="1" dirty="0">
-                <a:latin typeface="Microsoft JhengHei" panose="020B0604030504040204" pitchFamily="34" charset="-120"/>
-                <a:ea typeface="Microsoft JhengHei" panose="020B0604030504040204" pitchFamily="34" charset="-120"/>
-              </a:rPr>
-              <a:t>哈</a:t>
-            </a:r>
-            <a:r>
-              <a:rPr lang="zh-TW" altLang="en-US" sz="5400" b="1" dirty="0">
-                <a:latin typeface="Microsoft JhengHei" panose="020B0604030504040204" pitchFamily="34" charset="-120"/>
-                <a:ea typeface="Microsoft JhengHei" panose="020B0604030504040204" pitchFamily="34" charset="-120"/>
-              </a:rPr>
-              <a:t>里路</a:t>
-            </a:r>
-            <a:r>
-              <a:rPr lang="zh-TW" altLang="en-US" sz="5400" b="1" dirty="0" smtClean="0">
-                <a:latin typeface="Microsoft JhengHei" panose="020B0604030504040204" pitchFamily="34" charset="-120"/>
-                <a:ea typeface="Microsoft JhengHei" panose="020B0604030504040204" pitchFamily="34" charset="-120"/>
-              </a:rPr>
-              <a:t>亞</a:t>
-            </a:r>
-            <a:endParaRPr lang="en-US" altLang="zh-TW" sz="5400" b="1" dirty="0" smtClean="0">
-              <a:latin typeface="Microsoft JhengHei" panose="020B0604030504040204" pitchFamily="34" charset="-120"/>
-              <a:ea typeface="Microsoft JhengHei" panose="020B0604030504040204" pitchFamily="34" charset="-120"/>
-            </a:endParaRPr>
-          </a:p>
-          <a:p>
-            <a:pPr algn="ctr">
-              <a:buNone/>
-            </a:pPr>
-            <a:r>
-              <a:rPr lang="zh-TW" altLang="en-US" sz="5400" b="1" dirty="0">
-                <a:latin typeface="Microsoft JhengHei" panose="020B0604030504040204" pitchFamily="34" charset="-120"/>
-                <a:ea typeface="Microsoft JhengHei" panose="020B0604030504040204" pitchFamily="34" charset="-120"/>
-              </a:rPr>
-              <a:t>讚美</a:t>
-            </a:r>
-            <a:r>
-              <a:rPr lang="zh-CN" altLang="en-US" sz="5400" b="1" dirty="0">
-                <a:latin typeface="Microsoft JhengHei" panose="020B0604030504040204" pitchFamily="34" charset="-120"/>
-                <a:ea typeface="Microsoft JhengHei" panose="020B0604030504040204" pitchFamily="34" charset="-120"/>
-              </a:rPr>
-              <a:t>主</a:t>
-            </a:r>
-            <a:r>
-              <a:rPr lang="zh-TW" altLang="en-US" sz="5400" b="1" dirty="0">
-                <a:latin typeface="Microsoft JhengHei" panose="020B0604030504040204" pitchFamily="34" charset="-120"/>
-                <a:ea typeface="Microsoft JhengHei" panose="020B0604030504040204" pitchFamily="34" charset="-120"/>
-              </a:rPr>
-              <a:t>哈里路</a:t>
-            </a:r>
-            <a:r>
-              <a:rPr lang="zh-TW" altLang="en-US" sz="5400" b="1" dirty="0" smtClean="0">
-                <a:latin typeface="Microsoft JhengHei" panose="020B0604030504040204" pitchFamily="34" charset="-120"/>
-                <a:ea typeface="Microsoft JhengHei" panose="020B0604030504040204" pitchFamily="34" charset="-120"/>
-              </a:rPr>
-              <a:t>亞</a:t>
-            </a:r>
-            <a:r>
-              <a:rPr lang="en-US" altLang="zh-TW" sz="5400" b="1" dirty="0" smtClean="0">
-                <a:latin typeface="Microsoft JhengHei" panose="020B0604030504040204" pitchFamily="34" charset="-120"/>
-                <a:ea typeface="Microsoft JhengHei" panose="020B0604030504040204" pitchFamily="34" charset="-120"/>
-              </a:rPr>
-              <a:t>  </a:t>
-            </a:r>
-            <a:r>
-              <a:rPr lang="zh-TW" altLang="en-US" sz="5400" b="1" dirty="0" smtClean="0">
-                <a:latin typeface="Microsoft JhengHei" panose="020B0604030504040204" pitchFamily="34" charset="-120"/>
-                <a:ea typeface="Microsoft JhengHei" panose="020B0604030504040204" pitchFamily="34" charset="-120"/>
-              </a:rPr>
-              <a:t>哈</a:t>
-            </a:r>
-            <a:r>
-              <a:rPr lang="zh-TW" altLang="en-US" sz="5400" b="1" dirty="0">
-                <a:latin typeface="Microsoft JhengHei" panose="020B0604030504040204" pitchFamily="34" charset="-120"/>
-                <a:ea typeface="Microsoft JhengHei" panose="020B0604030504040204" pitchFamily="34" charset="-120"/>
-              </a:rPr>
-              <a:t>里路亞</a:t>
-            </a:r>
-            <a:r>
-              <a:rPr lang="en-US" altLang="zh-TW" sz="5400" b="1" dirty="0">
-                <a:latin typeface="Microsoft JhengHei" panose="020B0604030504040204" pitchFamily="34" charset="-120"/>
-                <a:ea typeface="Microsoft JhengHei" panose="020B0604030504040204" pitchFamily="34" charset="-120"/>
-              </a:rPr>
-              <a:t>  </a:t>
-            </a:r>
-            <a:r>
-              <a:rPr lang="zh-TW" altLang="en-US" sz="5400" b="1" dirty="0">
-                <a:latin typeface="Microsoft JhengHei" panose="020B0604030504040204" pitchFamily="34" charset="-120"/>
-                <a:ea typeface="Microsoft JhengHei" panose="020B0604030504040204" pitchFamily="34" charset="-120"/>
-              </a:rPr>
-              <a:t>哈里路</a:t>
-            </a:r>
-            <a:r>
-              <a:rPr lang="zh-TW" altLang="en-US" sz="5400" b="1" dirty="0" smtClean="0">
-                <a:latin typeface="Microsoft JhengHei" panose="020B0604030504040204" pitchFamily="34" charset="-120"/>
-                <a:ea typeface="Microsoft JhengHei" panose="020B0604030504040204" pitchFamily="34" charset="-120"/>
-              </a:rPr>
-              <a:t>亞</a:t>
-            </a:r>
-            <a:endParaRPr lang="en-US" altLang="zh-TW" sz="5400" b="1" dirty="0">
-              <a:latin typeface="Microsoft JhengHei" panose="020B0604030504040204" pitchFamily="34" charset="-120"/>
-              <a:ea typeface="Microsoft JhengHei" panose="020B0604030504040204" pitchFamily="34" charset="-120"/>
-            </a:endParaRPr>
+              <a:rPr lang="zh-TW" altLang="en-US" sz="7200" b="1" i="1" dirty="0">
+                <a:solidFill>
+                  <a:srgbClr val="660033"/>
+                </a:solidFill>
+                <a:effectLst>
+                  <a:outerShdw blurRad="38100" dist="38100" dir="2700000" algn="tl">
+                    <a:srgbClr val="000000">
+                      <a:alpha val="43137"/>
+                    </a:srgbClr>
+                  </a:outerShdw>
+                </a:effectLst>
+                <a:latin typeface="微軟正黑體" pitchFamily="34" charset="-120"/>
+                <a:ea typeface="微軟正黑體" pitchFamily="34" charset="-120"/>
+              </a:rPr>
+              <a:t>在這裡讚美</a:t>
+            </a:r>
           </a:p>
         </p:txBody>
       </p:sp>
     </p:spTree>
+    <p:extLst>
+      <p:ext uri="{BB962C8B-B14F-4D97-AF65-F5344CB8AC3E}">
+        <p14:creationId xmlns:p14="http://schemas.microsoft.com/office/powerpoint/2010/main" val="3971830833"/>
+      </p:ext>
+    </p:extLst>
   </p:cSld>
   <p:clrMapOvr>
     <a:masterClrMapping/>
   </p:clrMapOvr>
-  <p:timing>
-    <p:tnLst>
-      <p:par>
-        <p:cTn id="1" dur="indefinite" restart="never" nodeType="tmRoot"/>
-      </p:par>
-    </p:tnLst>
-  </p:timing>
+</p:sld>
+</file>
+
+<file path=ppt/slides/slide2.xml><?xml version="1.0" encoding="utf-8"?>
+<p:sld xmlns:a="http://schemas.openxmlformats.org/drawingml/2006/main" xmlns:r="http://schemas.openxmlformats.org/officeDocument/2006/relationships" xmlns:p="http://schemas.openxmlformats.org/presentationml/2006/main">
+  <p:cSld>
+    <p:spTree>
+      <p:nvGrpSpPr>
+        <p:cNvPr id="1" name=""/>
+        <p:cNvGrpSpPr/>
+        <p:nvPr/>
+      </p:nvGrpSpPr>
+      <p:grpSpPr>
+        <a:xfrm>
+          <a:off x="0" y="0"/>
+          <a:ext cx="0" cy="0"/>
+          <a:chOff x="0" y="0"/>
+          <a:chExt cx="0" cy="0"/>
+        </a:xfrm>
+      </p:grpSpPr>
+      <p:sp>
+        <p:nvSpPr>
+          <p:cNvPr id="5" name="內容版面配置區 4"/>
+          <p:cNvSpPr>
+            <a:spLocks noGrp="1"/>
+          </p:cNvSpPr>
+          <p:nvPr>
+            <p:ph idx="1"/>
+          </p:nvPr>
+        </p:nvSpPr>
+        <p:spPr>
+          <a:xfrm>
+            <a:off x="0" y="2084851"/>
+            <a:ext cx="12192000" cy="2404863"/>
+          </a:xfrm>
+        </p:spPr>
+        <p:txBody>
+          <a:bodyPr anchor="ctr">
+            <a:normAutofit/>
+          </a:bodyPr>
+          <a:lstStyle/>
+          <a:p>
+            <a:pPr algn="ctr">
+              <a:buNone/>
+            </a:pPr>
+            <a:r>
+              <a:rPr lang="zh-TW" altLang="en-US" sz="6400" b="1" dirty="0">
+                <a:solidFill>
+                  <a:srgbClr val="660033"/>
+                </a:solidFill>
+                <a:latin typeface="微軟正黑體" pitchFamily="34" charset="-120"/>
+                <a:ea typeface="微軟正黑體" pitchFamily="34" charset="-120"/>
+              </a:rPr>
+              <a:t>我</a:t>
+            </a:r>
+            <a:r>
+              <a:rPr lang="zh-TW" altLang="en-US" sz="6400" b="1" dirty="0">
+                <a:solidFill>
+                  <a:srgbClr val="660033"/>
+                </a:solidFill>
+                <a:latin typeface="微軟正黑體" pitchFamily="34" charset="-120"/>
+                <a:ea typeface="微軟正黑體" pitchFamily="34" charset="-120"/>
+              </a:rPr>
+              <a:t>在這裡讚美</a:t>
+            </a:r>
+            <a:r>
+              <a:rPr lang="zh-CN" altLang="en-US" sz="6400" b="1" dirty="0">
+                <a:solidFill>
+                  <a:srgbClr val="660033"/>
+                </a:solidFill>
+                <a:latin typeface="微軟正黑體" pitchFamily="34" charset="-120"/>
+                <a:ea typeface="微軟正黑體" pitchFamily="34" charset="-120"/>
+              </a:rPr>
+              <a:t>  </a:t>
+            </a:r>
+            <a:r>
+              <a:rPr lang="zh-TW" altLang="en-US" sz="6400" b="1" dirty="0">
+                <a:solidFill>
+                  <a:srgbClr val="660033"/>
+                </a:solidFill>
+                <a:latin typeface="微軟正黑體" pitchFamily="34" charset="-120"/>
+                <a:ea typeface="微軟正黑體" pitchFamily="34" charset="-120"/>
+              </a:rPr>
+              <a:t>我在那裡讚美</a:t>
+            </a:r>
+            <a:endParaRPr lang="en-US" altLang="zh-TW" sz="6400" b="1" dirty="0">
+              <a:solidFill>
+                <a:srgbClr val="660033"/>
+              </a:solidFill>
+              <a:latin typeface="微軟正黑體" pitchFamily="34" charset="-120"/>
+              <a:ea typeface="微軟正黑體" pitchFamily="34" charset="-120"/>
+            </a:endParaRPr>
+          </a:p>
+          <a:p>
+            <a:pPr algn="ctr">
+              <a:buNone/>
+            </a:pPr>
+            <a:r>
+              <a:rPr lang="zh-TW" altLang="en-US" sz="6400" b="1" dirty="0">
+                <a:solidFill>
+                  <a:srgbClr val="660033"/>
+                </a:solidFill>
+                <a:latin typeface="微軟正黑體" pitchFamily="34" charset="-120"/>
+                <a:ea typeface="微軟正黑體" pitchFamily="34" charset="-120"/>
+              </a:rPr>
+              <a:t>我在任何地方都是要讚美</a:t>
+            </a:r>
+            <a:endParaRPr lang="en-US" altLang="zh-TW" sz="6400" b="1" dirty="0">
+              <a:solidFill>
+                <a:srgbClr val="660033"/>
+              </a:solidFill>
+              <a:latin typeface="微軟正黑體" pitchFamily="34" charset="-120"/>
+              <a:ea typeface="微軟正黑體" pitchFamily="34" charset="-120"/>
+            </a:endParaRPr>
+          </a:p>
+        </p:txBody>
+      </p:sp>
+      <p:sp>
+        <p:nvSpPr>
+          <p:cNvPr id="3" name="TextBox 2"/>
+          <p:cNvSpPr txBox="1"/>
+          <p:nvPr/>
+        </p:nvSpPr>
+        <p:spPr>
+          <a:xfrm>
+            <a:off x="0" y="5253203"/>
+            <a:ext cx="12192000" cy="748988"/>
+          </a:xfrm>
+          <a:prstGeom prst="rect">
+            <a:avLst/>
+          </a:prstGeom>
+          <a:noFill/>
+        </p:spPr>
+        <p:txBody>
+          <a:bodyPr wrap="square" rtlCol="0">
+            <a:spAutoFit/>
+          </a:bodyPr>
+          <a:lstStyle/>
+          <a:p>
+            <a:pPr algn="ctr"/>
+            <a:r>
+              <a:rPr lang="en-US" sz="4267" b="1" dirty="0">
+                <a:solidFill>
+                  <a:srgbClr val="660033"/>
+                </a:solidFill>
+              </a:rPr>
+              <a:t>( x2 )</a:t>
+            </a:r>
+            <a:endParaRPr lang="vi-VN" sz="4267" b="1" dirty="0">
+              <a:solidFill>
+                <a:srgbClr val="660033"/>
+              </a:solidFill>
+            </a:endParaRPr>
+          </a:p>
+        </p:txBody>
+      </p:sp>
+    </p:spTree>
+    <p:extLst>
+      <p:ext uri="{BB962C8B-B14F-4D97-AF65-F5344CB8AC3E}">
+        <p14:creationId xmlns:p14="http://schemas.microsoft.com/office/powerpoint/2010/main" val="3987341972"/>
+      </p:ext>
+    </p:extLst>
+  </p:cSld>
+  <p:clrMapOvr>
+    <a:masterClrMapping/>
+  </p:clrMapOvr>
+</p:sld>
+</file>
+
+<file path=ppt/slides/slide3.xml><?xml version="1.0" encoding="utf-8"?>
+<p:sld xmlns:a="http://schemas.openxmlformats.org/drawingml/2006/main" xmlns:r="http://schemas.openxmlformats.org/officeDocument/2006/relationships" xmlns:p="http://schemas.openxmlformats.org/presentationml/2006/main">
+  <p:cSld>
+    <p:spTree>
+      <p:nvGrpSpPr>
+        <p:cNvPr id="1" name=""/>
+        <p:cNvGrpSpPr/>
+        <p:nvPr/>
+      </p:nvGrpSpPr>
+      <p:grpSpPr>
+        <a:xfrm>
+          <a:off x="0" y="0"/>
+          <a:ext cx="0" cy="0"/>
+          <a:chOff x="0" y="0"/>
+          <a:chExt cx="0" cy="0"/>
+        </a:xfrm>
+      </p:grpSpPr>
+      <p:sp>
+        <p:nvSpPr>
+          <p:cNvPr id="5" name="內容版面配置區 4"/>
+          <p:cNvSpPr>
+            <a:spLocks noGrp="1"/>
+          </p:cNvSpPr>
+          <p:nvPr>
+            <p:ph idx="1"/>
+          </p:nvPr>
+        </p:nvSpPr>
+        <p:spPr>
+          <a:xfrm>
+            <a:off x="0" y="2084851"/>
+            <a:ext cx="12192000" cy="2404863"/>
+          </a:xfrm>
+        </p:spPr>
+        <p:txBody>
+          <a:bodyPr anchor="ctr">
+            <a:normAutofit/>
+          </a:bodyPr>
+          <a:lstStyle/>
+          <a:p>
+            <a:pPr algn="ctr">
+              <a:buNone/>
+            </a:pPr>
+            <a:r>
+              <a:rPr lang="zh-TW" altLang="en-US" sz="6400" b="1" dirty="0">
+                <a:solidFill>
+                  <a:srgbClr val="660033"/>
+                </a:solidFill>
+                <a:latin typeface="Microsoft JhengHei" panose="020B0604030504040204" pitchFamily="34" charset="-120"/>
+                <a:ea typeface="Microsoft JhengHei" panose="020B0604030504040204" pitchFamily="34" charset="-120"/>
+              </a:rPr>
+              <a:t>讚美</a:t>
+            </a:r>
+            <a:r>
+              <a:rPr lang="zh-CN" altLang="en-US" sz="6400" b="1" dirty="0">
+                <a:solidFill>
+                  <a:srgbClr val="660033"/>
+                </a:solidFill>
+                <a:latin typeface="Microsoft JhengHei" panose="020B0604030504040204" pitchFamily="34" charset="-120"/>
+                <a:ea typeface="Microsoft JhengHei" panose="020B0604030504040204" pitchFamily="34" charset="-120"/>
+              </a:rPr>
+              <a:t>主哈利路亞</a:t>
+            </a:r>
+            <a:endParaRPr lang="en-US" altLang="zh-TW" sz="6400" b="1" dirty="0">
+              <a:solidFill>
+                <a:srgbClr val="660033"/>
+              </a:solidFill>
+              <a:latin typeface="Microsoft JhengHei" panose="020B0604030504040204" pitchFamily="34" charset="-120"/>
+              <a:ea typeface="Microsoft JhengHei" panose="020B0604030504040204" pitchFamily="34" charset="-120"/>
+            </a:endParaRPr>
+          </a:p>
+          <a:p>
+            <a:pPr algn="ctr">
+              <a:buNone/>
+            </a:pPr>
+            <a:r>
+              <a:rPr lang="zh-CN" altLang="en-US" sz="6400" b="1" dirty="0">
+                <a:solidFill>
+                  <a:srgbClr val="660033"/>
+                </a:solidFill>
+                <a:latin typeface="Microsoft JhengHei" panose="020B0604030504040204" pitchFamily="34" charset="-120"/>
+                <a:ea typeface="Microsoft JhengHei" panose="020B0604030504040204" pitchFamily="34" charset="-120"/>
+              </a:rPr>
+              <a:t>哈利路</a:t>
+            </a:r>
+            <a:r>
+              <a:rPr lang="zh-CN" altLang="en-US" sz="6400" b="1" dirty="0">
+                <a:solidFill>
+                  <a:srgbClr val="660033"/>
+                </a:solidFill>
+                <a:latin typeface="Microsoft JhengHei" panose="020B0604030504040204" pitchFamily="34" charset="-120"/>
+                <a:ea typeface="Microsoft JhengHei" panose="020B0604030504040204" pitchFamily="34" charset="-120"/>
+              </a:rPr>
+              <a:t>亞  哈</a:t>
+            </a:r>
+            <a:r>
+              <a:rPr lang="zh-CN" altLang="en-US" sz="6400" b="1" dirty="0">
+                <a:solidFill>
+                  <a:srgbClr val="660033"/>
+                </a:solidFill>
+                <a:latin typeface="Microsoft JhengHei" panose="020B0604030504040204" pitchFamily="34" charset="-120"/>
+                <a:ea typeface="Microsoft JhengHei" panose="020B0604030504040204" pitchFamily="34" charset="-120"/>
+              </a:rPr>
+              <a:t>利路亞</a:t>
+            </a:r>
+            <a:endParaRPr lang="en-US" altLang="zh-TW" sz="6400" b="1" dirty="0">
+              <a:solidFill>
+                <a:srgbClr val="660033"/>
+              </a:solidFill>
+              <a:latin typeface="Microsoft JhengHei" panose="020B0604030504040204" pitchFamily="34" charset="-120"/>
+              <a:ea typeface="Microsoft JhengHei" panose="020B0604030504040204" pitchFamily="34" charset="-120"/>
+            </a:endParaRPr>
+          </a:p>
+        </p:txBody>
+      </p:sp>
+      <p:sp>
+        <p:nvSpPr>
+          <p:cNvPr id="2" name="TextBox 1"/>
+          <p:cNvSpPr txBox="1"/>
+          <p:nvPr/>
+        </p:nvSpPr>
+        <p:spPr>
+          <a:xfrm>
+            <a:off x="0" y="5253203"/>
+            <a:ext cx="12192000" cy="748988"/>
+          </a:xfrm>
+          <a:prstGeom prst="rect">
+            <a:avLst/>
+          </a:prstGeom>
+          <a:noFill/>
+        </p:spPr>
+        <p:txBody>
+          <a:bodyPr wrap="square" rtlCol="0">
+            <a:spAutoFit/>
+          </a:bodyPr>
+          <a:lstStyle/>
+          <a:p>
+            <a:pPr algn="ctr"/>
+            <a:r>
+              <a:rPr lang="en-US" sz="4267" b="1" dirty="0">
+                <a:solidFill>
+                  <a:srgbClr val="660033"/>
+                </a:solidFill>
+              </a:rPr>
+              <a:t>( x2 )</a:t>
+            </a:r>
+            <a:endParaRPr lang="vi-VN" sz="4267" b="1" dirty="0">
+              <a:solidFill>
+                <a:srgbClr val="660033"/>
+              </a:solidFill>
+            </a:endParaRPr>
+          </a:p>
+        </p:txBody>
+      </p:sp>
+    </p:spTree>
+    <p:extLst>
+      <p:ext uri="{BB962C8B-B14F-4D97-AF65-F5344CB8AC3E}">
+        <p14:creationId xmlns:p14="http://schemas.microsoft.com/office/powerpoint/2010/main" val="1877921291"/>
+      </p:ext>
+    </p:extLst>
+  </p:cSld>
+  <p:clrMapOvr>
+    <a:masterClrMapping/>
+  </p:clrMapOvr>
+</p:sld>
+</file>
+
+<file path=ppt/slides/slide4.xml><?xml version="1.0" encoding="utf-8"?>
+<p:sld xmlns:a="http://schemas.openxmlformats.org/drawingml/2006/main" xmlns:r="http://schemas.openxmlformats.org/officeDocument/2006/relationships" xmlns:p="http://schemas.openxmlformats.org/presentationml/2006/main">
+  <p:cSld>
+    <p:spTree>
+      <p:nvGrpSpPr>
+        <p:cNvPr id="1" name=""/>
+        <p:cNvGrpSpPr/>
+        <p:nvPr/>
+      </p:nvGrpSpPr>
+      <p:grpSpPr>
+        <a:xfrm>
+          <a:off x="0" y="0"/>
+          <a:ext cx="0" cy="0"/>
+          <a:chOff x="0" y="0"/>
+          <a:chExt cx="0" cy="0"/>
+        </a:xfrm>
+      </p:grpSpPr>
+      <p:sp>
+        <p:nvSpPr>
+          <p:cNvPr id="5" name="內容版面配置區 4"/>
+          <p:cNvSpPr>
+            <a:spLocks noGrp="1"/>
+          </p:cNvSpPr>
+          <p:nvPr>
+            <p:ph idx="1"/>
+          </p:nvPr>
+        </p:nvSpPr>
+        <p:spPr>
+          <a:xfrm>
+            <a:off x="0" y="2084851"/>
+            <a:ext cx="12192000" cy="2404863"/>
+          </a:xfrm>
+        </p:spPr>
+        <p:txBody>
+          <a:bodyPr anchor="ctr">
+            <a:normAutofit/>
+          </a:bodyPr>
+          <a:lstStyle/>
+          <a:p>
+            <a:pPr algn="ctr">
+              <a:buNone/>
+            </a:pPr>
+            <a:r>
+              <a:rPr lang="zh-TW" altLang="en-US" sz="6400" b="1" dirty="0">
+                <a:solidFill>
+                  <a:srgbClr val="660033"/>
+                </a:solidFill>
+                <a:latin typeface="微軟正黑體" pitchFamily="34" charset="-120"/>
+                <a:ea typeface="微軟正黑體" pitchFamily="34" charset="-120"/>
+              </a:rPr>
+              <a:t>我</a:t>
+            </a:r>
+            <a:r>
+              <a:rPr lang="zh-TW" altLang="en-US" sz="6400" b="1" dirty="0">
+                <a:solidFill>
+                  <a:srgbClr val="660033"/>
+                </a:solidFill>
+                <a:latin typeface="微軟正黑體" pitchFamily="34" charset="-120"/>
+                <a:ea typeface="微軟正黑體" pitchFamily="34" charset="-120"/>
+              </a:rPr>
+              <a:t>在這</a:t>
+            </a:r>
+            <a:r>
+              <a:rPr lang="zh-TW" altLang="en-US" sz="6400" b="1" dirty="0">
+                <a:solidFill>
+                  <a:srgbClr val="660033"/>
+                </a:solidFill>
+                <a:latin typeface="微軟正黑體" pitchFamily="34" charset="-120"/>
+                <a:ea typeface="微軟正黑體" pitchFamily="34" charset="-120"/>
+              </a:rPr>
+              <a:t>裡</a:t>
+            </a:r>
+            <a:r>
+              <a:rPr lang="zh-CN" altLang="en-US" sz="6400" b="1" dirty="0">
+                <a:solidFill>
+                  <a:srgbClr val="660033"/>
+                </a:solidFill>
+                <a:latin typeface="微軟正黑體" pitchFamily="34" charset="-120"/>
+                <a:ea typeface="微軟正黑體" pitchFamily="34" charset="-120"/>
+              </a:rPr>
+              <a:t>喜樂  </a:t>
+            </a:r>
+            <a:r>
+              <a:rPr lang="zh-TW" altLang="en-US" sz="6400" b="1" dirty="0">
+                <a:solidFill>
+                  <a:srgbClr val="660033"/>
+                </a:solidFill>
+                <a:latin typeface="微軟正黑體" pitchFamily="34" charset="-120"/>
+                <a:ea typeface="微軟正黑體" pitchFamily="34" charset="-120"/>
+              </a:rPr>
+              <a:t>我在那</a:t>
+            </a:r>
+            <a:r>
+              <a:rPr lang="zh-TW" altLang="en-US" sz="6400" b="1" dirty="0">
+                <a:solidFill>
+                  <a:srgbClr val="660033"/>
+                </a:solidFill>
+                <a:latin typeface="微軟正黑體" pitchFamily="34" charset="-120"/>
+                <a:ea typeface="微軟正黑體" pitchFamily="34" charset="-120"/>
+              </a:rPr>
+              <a:t>裡</a:t>
+            </a:r>
+            <a:r>
+              <a:rPr lang="zh-CN" altLang="en-US" sz="6400" b="1" dirty="0">
+                <a:solidFill>
+                  <a:srgbClr val="660033"/>
+                </a:solidFill>
+                <a:latin typeface="微軟正黑體" pitchFamily="34" charset="-120"/>
+                <a:ea typeface="微軟正黑體" pitchFamily="34" charset="-120"/>
+              </a:rPr>
+              <a:t>喜樂</a:t>
+            </a:r>
+            <a:endParaRPr lang="en-US" altLang="zh-TW" sz="6400" b="1" dirty="0">
+              <a:solidFill>
+                <a:srgbClr val="660033"/>
+              </a:solidFill>
+              <a:latin typeface="微軟正黑體" pitchFamily="34" charset="-120"/>
+              <a:ea typeface="微軟正黑體" pitchFamily="34" charset="-120"/>
+            </a:endParaRPr>
+          </a:p>
+          <a:p>
+            <a:pPr algn="ctr">
+              <a:buNone/>
+            </a:pPr>
+            <a:r>
+              <a:rPr lang="zh-TW" altLang="en-US" sz="6400" b="1" dirty="0">
+                <a:solidFill>
+                  <a:srgbClr val="660033"/>
+                </a:solidFill>
+                <a:latin typeface="微軟正黑體" pitchFamily="34" charset="-120"/>
+                <a:ea typeface="微軟正黑體" pitchFamily="34" charset="-120"/>
+              </a:rPr>
+              <a:t>我在任何地方都是</a:t>
+            </a:r>
+            <a:r>
+              <a:rPr lang="zh-TW" altLang="en-US" sz="6400" b="1" dirty="0">
+                <a:solidFill>
+                  <a:srgbClr val="660033"/>
+                </a:solidFill>
+                <a:latin typeface="微軟正黑體" pitchFamily="34" charset="-120"/>
+                <a:ea typeface="微軟正黑體" pitchFamily="34" charset="-120"/>
+              </a:rPr>
+              <a:t>要</a:t>
+            </a:r>
+            <a:r>
+              <a:rPr lang="zh-CN" altLang="en-US" sz="6400" b="1" dirty="0">
+                <a:solidFill>
+                  <a:srgbClr val="660033"/>
+                </a:solidFill>
+                <a:latin typeface="微軟正黑體" pitchFamily="34" charset="-120"/>
+                <a:ea typeface="微軟正黑體" pitchFamily="34" charset="-120"/>
+              </a:rPr>
+              <a:t>喜樂</a:t>
+            </a:r>
+            <a:endParaRPr lang="en-US" altLang="zh-TW" sz="6400" b="1" dirty="0">
+              <a:solidFill>
+                <a:srgbClr val="660033"/>
+              </a:solidFill>
+              <a:latin typeface="微軟正黑體" pitchFamily="34" charset="-120"/>
+              <a:ea typeface="微軟正黑體" pitchFamily="34" charset="-120"/>
+            </a:endParaRPr>
+          </a:p>
+        </p:txBody>
+      </p:sp>
+      <p:sp>
+        <p:nvSpPr>
+          <p:cNvPr id="3" name="TextBox 2"/>
+          <p:cNvSpPr txBox="1"/>
+          <p:nvPr/>
+        </p:nvSpPr>
+        <p:spPr>
+          <a:xfrm>
+            <a:off x="0" y="5253203"/>
+            <a:ext cx="12192000" cy="748988"/>
+          </a:xfrm>
+          <a:prstGeom prst="rect">
+            <a:avLst/>
+          </a:prstGeom>
+          <a:noFill/>
+        </p:spPr>
+        <p:txBody>
+          <a:bodyPr wrap="square" rtlCol="0">
+            <a:spAutoFit/>
+          </a:bodyPr>
+          <a:lstStyle/>
+          <a:p>
+            <a:pPr algn="ctr"/>
+            <a:r>
+              <a:rPr lang="en-US" sz="4267" b="1" dirty="0">
+                <a:solidFill>
+                  <a:srgbClr val="660033"/>
+                </a:solidFill>
+              </a:rPr>
+              <a:t>( x2 )</a:t>
+            </a:r>
+            <a:endParaRPr lang="vi-VN" sz="4267" b="1" dirty="0">
+              <a:solidFill>
+                <a:srgbClr val="660033"/>
+              </a:solidFill>
+            </a:endParaRPr>
+          </a:p>
+        </p:txBody>
+      </p:sp>
+    </p:spTree>
+    <p:extLst>
+      <p:ext uri="{BB962C8B-B14F-4D97-AF65-F5344CB8AC3E}">
+        <p14:creationId xmlns:p14="http://schemas.microsoft.com/office/powerpoint/2010/main" val="2617270009"/>
+      </p:ext>
+    </p:extLst>
+  </p:cSld>
+  <p:clrMapOvr>
+    <a:masterClrMapping/>
+  </p:clrMapOvr>
+</p:sld>
+</file>
+
+<file path=ppt/slides/slide5.xml><?xml version="1.0" encoding="utf-8"?>
+<p:sld xmlns:a="http://schemas.openxmlformats.org/drawingml/2006/main" xmlns:r="http://schemas.openxmlformats.org/officeDocument/2006/relationships" xmlns:p="http://schemas.openxmlformats.org/presentationml/2006/main">
+  <p:cSld>
+    <p:spTree>
+      <p:nvGrpSpPr>
+        <p:cNvPr id="1" name=""/>
+        <p:cNvGrpSpPr/>
+        <p:nvPr/>
+      </p:nvGrpSpPr>
+      <p:grpSpPr>
+        <a:xfrm>
+          <a:off x="0" y="0"/>
+          <a:ext cx="0" cy="0"/>
+          <a:chOff x="0" y="0"/>
+          <a:chExt cx="0" cy="0"/>
+        </a:xfrm>
+      </p:grpSpPr>
+      <p:sp>
+        <p:nvSpPr>
+          <p:cNvPr id="5" name="內容版面配置區 4"/>
+          <p:cNvSpPr>
+            <a:spLocks noGrp="1"/>
+          </p:cNvSpPr>
+          <p:nvPr>
+            <p:ph idx="1"/>
+          </p:nvPr>
+        </p:nvSpPr>
+        <p:spPr>
+          <a:xfrm>
+            <a:off x="0" y="2084851"/>
+            <a:ext cx="12192000" cy="2404863"/>
+          </a:xfrm>
+        </p:spPr>
+        <p:txBody>
+          <a:bodyPr anchor="ctr">
+            <a:normAutofit/>
+          </a:bodyPr>
+          <a:lstStyle/>
+          <a:p>
+            <a:pPr algn="ctr">
+              <a:buNone/>
+            </a:pPr>
+            <a:r>
+              <a:rPr lang="zh-TW" altLang="en-US" sz="6400" b="1" dirty="0">
+                <a:solidFill>
+                  <a:srgbClr val="660033"/>
+                </a:solidFill>
+                <a:latin typeface="Microsoft JhengHei" panose="020B0604030504040204" pitchFamily="34" charset="-120"/>
+                <a:ea typeface="Microsoft JhengHei" panose="020B0604030504040204" pitchFamily="34" charset="-120"/>
+              </a:rPr>
+              <a:t>讚美</a:t>
+            </a:r>
+            <a:r>
+              <a:rPr lang="zh-CN" altLang="en-US" sz="6400" b="1" dirty="0">
+                <a:solidFill>
+                  <a:srgbClr val="660033"/>
+                </a:solidFill>
+                <a:latin typeface="Microsoft JhengHei" panose="020B0604030504040204" pitchFamily="34" charset="-120"/>
+                <a:ea typeface="Microsoft JhengHei" panose="020B0604030504040204" pitchFamily="34" charset="-120"/>
+              </a:rPr>
+              <a:t>主哈利路亞</a:t>
+            </a:r>
+            <a:endParaRPr lang="en-US" altLang="zh-TW" sz="6400" b="1" dirty="0">
+              <a:solidFill>
+                <a:srgbClr val="660033"/>
+              </a:solidFill>
+              <a:latin typeface="Microsoft JhengHei" panose="020B0604030504040204" pitchFamily="34" charset="-120"/>
+              <a:ea typeface="Microsoft JhengHei" panose="020B0604030504040204" pitchFamily="34" charset="-120"/>
+            </a:endParaRPr>
+          </a:p>
+          <a:p>
+            <a:pPr algn="ctr">
+              <a:buNone/>
+            </a:pPr>
+            <a:r>
+              <a:rPr lang="zh-CN" altLang="en-US" sz="6400" b="1" dirty="0">
+                <a:solidFill>
+                  <a:srgbClr val="660033"/>
+                </a:solidFill>
+                <a:latin typeface="Microsoft JhengHei" panose="020B0604030504040204" pitchFamily="34" charset="-120"/>
+                <a:ea typeface="Microsoft JhengHei" panose="020B0604030504040204" pitchFamily="34" charset="-120"/>
+              </a:rPr>
+              <a:t>哈利路</a:t>
+            </a:r>
+            <a:r>
+              <a:rPr lang="zh-CN" altLang="en-US" sz="6400" b="1" dirty="0">
+                <a:solidFill>
+                  <a:srgbClr val="660033"/>
+                </a:solidFill>
+                <a:latin typeface="Microsoft JhengHei" panose="020B0604030504040204" pitchFamily="34" charset="-120"/>
+                <a:ea typeface="Microsoft JhengHei" panose="020B0604030504040204" pitchFamily="34" charset="-120"/>
+              </a:rPr>
+              <a:t>亞  哈</a:t>
+            </a:r>
+            <a:r>
+              <a:rPr lang="zh-CN" altLang="en-US" sz="6400" b="1" dirty="0">
+                <a:solidFill>
+                  <a:srgbClr val="660033"/>
+                </a:solidFill>
+                <a:latin typeface="Microsoft JhengHei" panose="020B0604030504040204" pitchFamily="34" charset="-120"/>
+                <a:ea typeface="Microsoft JhengHei" panose="020B0604030504040204" pitchFamily="34" charset="-120"/>
+              </a:rPr>
+              <a:t>利路亞</a:t>
+            </a:r>
+            <a:endParaRPr lang="en-US" altLang="zh-TW" sz="6400" b="1" dirty="0">
+              <a:solidFill>
+                <a:srgbClr val="660033"/>
+              </a:solidFill>
+              <a:latin typeface="Microsoft JhengHei" panose="020B0604030504040204" pitchFamily="34" charset="-120"/>
+              <a:ea typeface="Microsoft JhengHei" panose="020B0604030504040204" pitchFamily="34" charset="-120"/>
+            </a:endParaRPr>
+          </a:p>
+        </p:txBody>
+      </p:sp>
+      <p:sp>
+        <p:nvSpPr>
+          <p:cNvPr id="2" name="TextBox 1"/>
+          <p:cNvSpPr txBox="1"/>
+          <p:nvPr/>
+        </p:nvSpPr>
+        <p:spPr>
+          <a:xfrm>
+            <a:off x="0" y="5253203"/>
+            <a:ext cx="12192000" cy="748988"/>
+          </a:xfrm>
+          <a:prstGeom prst="rect">
+            <a:avLst/>
+          </a:prstGeom>
+          <a:noFill/>
+        </p:spPr>
+        <p:txBody>
+          <a:bodyPr wrap="square" rtlCol="0">
+            <a:spAutoFit/>
+          </a:bodyPr>
+          <a:lstStyle/>
+          <a:p>
+            <a:pPr algn="ctr"/>
+            <a:r>
+              <a:rPr lang="en-US" sz="4267" b="1" dirty="0">
+                <a:solidFill>
+                  <a:srgbClr val="660033"/>
+                </a:solidFill>
+              </a:rPr>
+              <a:t>( x2 )</a:t>
+            </a:r>
+            <a:endParaRPr lang="vi-VN" sz="4267" b="1" dirty="0">
+              <a:solidFill>
+                <a:srgbClr val="660033"/>
+              </a:solidFill>
+            </a:endParaRPr>
+          </a:p>
+        </p:txBody>
+      </p:sp>
+    </p:spTree>
+    <p:extLst>
+      <p:ext uri="{BB962C8B-B14F-4D97-AF65-F5344CB8AC3E}">
+        <p14:creationId xmlns:p14="http://schemas.microsoft.com/office/powerpoint/2010/main" val="3142509067"/>
+      </p:ext>
+    </p:extLst>
+  </p:cSld>
+  <p:clrMapOvr>
+    <a:masterClrMapping/>
+  </p:clrMapOvr>
+</p:sld>
+</file>
+
+<file path=ppt/slides/slide6.xml><?xml version="1.0" encoding="utf-8"?>
+<p:sld xmlns:a="http://schemas.openxmlformats.org/drawingml/2006/main" xmlns:r="http://schemas.openxmlformats.org/officeDocument/2006/relationships" xmlns:p="http://schemas.openxmlformats.org/presentationml/2006/main">
+  <p:cSld>
+    <p:spTree>
+      <p:nvGrpSpPr>
+        <p:cNvPr id="1" name=""/>
+        <p:cNvGrpSpPr/>
+        <p:nvPr/>
+      </p:nvGrpSpPr>
+      <p:grpSpPr>
+        <a:xfrm>
+          <a:off x="0" y="0"/>
+          <a:ext cx="0" cy="0"/>
+          <a:chOff x="0" y="0"/>
+          <a:chExt cx="0" cy="0"/>
+        </a:xfrm>
+      </p:grpSpPr>
+      <p:sp>
+        <p:nvSpPr>
+          <p:cNvPr id="5" name="內容版面配置區 4"/>
+          <p:cNvSpPr>
+            <a:spLocks noGrp="1"/>
+          </p:cNvSpPr>
+          <p:nvPr>
+            <p:ph idx="1"/>
+          </p:nvPr>
+        </p:nvSpPr>
+        <p:spPr>
+          <a:xfrm>
+            <a:off x="0" y="2084851"/>
+            <a:ext cx="12192000" cy="2404863"/>
+          </a:xfrm>
+        </p:spPr>
+        <p:txBody>
+          <a:bodyPr anchor="ctr">
+            <a:normAutofit/>
+          </a:bodyPr>
+          <a:lstStyle/>
+          <a:p>
+            <a:pPr algn="ctr">
+              <a:buNone/>
+            </a:pPr>
+            <a:r>
+              <a:rPr lang="zh-TW" altLang="en-US" sz="6400" b="1" dirty="0">
+                <a:solidFill>
+                  <a:srgbClr val="660033"/>
+                </a:solidFill>
+                <a:latin typeface="微軟正黑體" pitchFamily="34" charset="-120"/>
+                <a:ea typeface="微軟正黑體" pitchFamily="34" charset="-120"/>
+              </a:rPr>
+              <a:t>我</a:t>
+            </a:r>
+            <a:r>
+              <a:rPr lang="zh-TW" altLang="en-US" sz="6400" b="1" dirty="0">
+                <a:solidFill>
+                  <a:srgbClr val="660033"/>
+                </a:solidFill>
+                <a:latin typeface="微軟正黑體" pitchFamily="34" charset="-120"/>
+                <a:ea typeface="微軟正黑體" pitchFamily="34" charset="-120"/>
+              </a:rPr>
+              <a:t>在這</a:t>
+            </a:r>
+            <a:r>
+              <a:rPr lang="zh-TW" altLang="en-US" sz="6400" b="1" dirty="0">
+                <a:solidFill>
+                  <a:srgbClr val="660033"/>
+                </a:solidFill>
+                <a:latin typeface="微軟正黑體" pitchFamily="34" charset="-120"/>
+                <a:ea typeface="微軟正黑體" pitchFamily="34" charset="-120"/>
+              </a:rPr>
+              <a:t>裡</a:t>
+            </a:r>
+            <a:r>
+              <a:rPr lang="zh-CN" altLang="en-US" sz="6400" b="1" dirty="0">
+                <a:solidFill>
+                  <a:srgbClr val="660033"/>
+                </a:solidFill>
+                <a:latin typeface="微軟正黑體" pitchFamily="34" charset="-120"/>
+                <a:ea typeface="微軟正黑體" pitchFamily="34" charset="-120"/>
+              </a:rPr>
+              <a:t>禱告  </a:t>
+            </a:r>
+            <a:r>
+              <a:rPr lang="zh-TW" altLang="en-US" sz="6400" b="1" dirty="0">
+                <a:solidFill>
+                  <a:srgbClr val="660033"/>
+                </a:solidFill>
+                <a:latin typeface="微軟正黑體" pitchFamily="34" charset="-120"/>
+                <a:ea typeface="微軟正黑體" pitchFamily="34" charset="-120"/>
+              </a:rPr>
+              <a:t>我在那</a:t>
+            </a:r>
+            <a:r>
+              <a:rPr lang="zh-TW" altLang="en-US" sz="6400" b="1" dirty="0">
+                <a:solidFill>
+                  <a:srgbClr val="660033"/>
+                </a:solidFill>
+                <a:latin typeface="微軟正黑體" pitchFamily="34" charset="-120"/>
+                <a:ea typeface="微軟正黑體" pitchFamily="34" charset="-120"/>
+              </a:rPr>
+              <a:t>裡</a:t>
+            </a:r>
+            <a:r>
+              <a:rPr lang="zh-CN" altLang="en-US" sz="6400" b="1" dirty="0">
+                <a:solidFill>
+                  <a:srgbClr val="660033"/>
+                </a:solidFill>
+                <a:latin typeface="微軟正黑體" pitchFamily="34" charset="-120"/>
+                <a:ea typeface="微軟正黑體" pitchFamily="34" charset="-120"/>
+              </a:rPr>
+              <a:t>禱告</a:t>
+            </a:r>
+            <a:endParaRPr lang="en-US" altLang="zh-TW" sz="6400" b="1" dirty="0">
+              <a:solidFill>
+                <a:srgbClr val="660033"/>
+              </a:solidFill>
+              <a:latin typeface="微軟正黑體" pitchFamily="34" charset="-120"/>
+              <a:ea typeface="微軟正黑體" pitchFamily="34" charset="-120"/>
+            </a:endParaRPr>
+          </a:p>
+          <a:p>
+            <a:pPr algn="ctr">
+              <a:buNone/>
+            </a:pPr>
+            <a:r>
+              <a:rPr lang="zh-TW" altLang="en-US" sz="6400" b="1" dirty="0">
+                <a:solidFill>
+                  <a:srgbClr val="660033"/>
+                </a:solidFill>
+                <a:latin typeface="微軟正黑體" pitchFamily="34" charset="-120"/>
+                <a:ea typeface="微軟正黑體" pitchFamily="34" charset="-120"/>
+              </a:rPr>
+              <a:t>我在任何地方都是</a:t>
+            </a:r>
+            <a:r>
+              <a:rPr lang="zh-TW" altLang="en-US" sz="6400" b="1" dirty="0">
+                <a:solidFill>
+                  <a:srgbClr val="660033"/>
+                </a:solidFill>
+                <a:latin typeface="微軟正黑體" pitchFamily="34" charset="-120"/>
+                <a:ea typeface="微軟正黑體" pitchFamily="34" charset="-120"/>
+              </a:rPr>
+              <a:t>要</a:t>
+            </a:r>
+            <a:r>
+              <a:rPr lang="zh-CN" altLang="en-US" sz="6400" b="1" dirty="0">
+                <a:solidFill>
+                  <a:srgbClr val="660033"/>
+                </a:solidFill>
+                <a:latin typeface="微軟正黑體" pitchFamily="34" charset="-120"/>
+                <a:ea typeface="微軟正黑體" pitchFamily="34" charset="-120"/>
+              </a:rPr>
+              <a:t>禱告</a:t>
+            </a:r>
+            <a:endParaRPr lang="en-US" altLang="zh-TW" sz="6400" b="1" dirty="0">
+              <a:solidFill>
+                <a:srgbClr val="660033"/>
+              </a:solidFill>
+              <a:latin typeface="微軟正黑體" pitchFamily="34" charset="-120"/>
+              <a:ea typeface="微軟正黑體" pitchFamily="34" charset="-120"/>
+            </a:endParaRPr>
+          </a:p>
+        </p:txBody>
+      </p:sp>
+      <p:sp>
+        <p:nvSpPr>
+          <p:cNvPr id="3" name="TextBox 2"/>
+          <p:cNvSpPr txBox="1"/>
+          <p:nvPr/>
+        </p:nvSpPr>
+        <p:spPr>
+          <a:xfrm>
+            <a:off x="0" y="5253203"/>
+            <a:ext cx="12192000" cy="748988"/>
+          </a:xfrm>
+          <a:prstGeom prst="rect">
+            <a:avLst/>
+          </a:prstGeom>
+          <a:noFill/>
+        </p:spPr>
+        <p:txBody>
+          <a:bodyPr wrap="square" rtlCol="0">
+            <a:spAutoFit/>
+          </a:bodyPr>
+          <a:lstStyle/>
+          <a:p>
+            <a:pPr algn="ctr"/>
+            <a:r>
+              <a:rPr lang="en-US" sz="4267" b="1" dirty="0">
+                <a:solidFill>
+                  <a:srgbClr val="660033"/>
+                </a:solidFill>
+              </a:rPr>
+              <a:t>( x2 )</a:t>
+            </a:r>
+            <a:endParaRPr lang="vi-VN" sz="4267" b="1" dirty="0">
+              <a:solidFill>
+                <a:srgbClr val="660033"/>
+              </a:solidFill>
+            </a:endParaRPr>
+          </a:p>
+        </p:txBody>
+      </p:sp>
+    </p:spTree>
+    <p:extLst>
+      <p:ext uri="{BB962C8B-B14F-4D97-AF65-F5344CB8AC3E}">
+        <p14:creationId xmlns:p14="http://schemas.microsoft.com/office/powerpoint/2010/main" val="1704585304"/>
+      </p:ext>
+    </p:extLst>
+  </p:cSld>
+  <p:clrMapOvr>
+    <a:masterClrMapping/>
+  </p:clrMapOvr>
+</p:sld>
+</file>
+
+<file path=ppt/slides/slide7.xml><?xml version="1.0" encoding="utf-8"?>
+<p:sld xmlns:a="http://schemas.openxmlformats.org/drawingml/2006/main" xmlns:r="http://schemas.openxmlformats.org/officeDocument/2006/relationships" xmlns:p="http://schemas.openxmlformats.org/presentationml/2006/main">
+  <p:cSld>
+    <p:spTree>
+      <p:nvGrpSpPr>
+        <p:cNvPr id="1" name=""/>
+        <p:cNvGrpSpPr/>
+        <p:nvPr/>
+      </p:nvGrpSpPr>
+      <p:grpSpPr>
+        <a:xfrm>
+          <a:off x="0" y="0"/>
+          <a:ext cx="0" cy="0"/>
+          <a:chOff x="0" y="0"/>
+          <a:chExt cx="0" cy="0"/>
+        </a:xfrm>
+      </p:grpSpPr>
+      <p:sp>
+        <p:nvSpPr>
+          <p:cNvPr id="5" name="內容版面配置區 4"/>
+          <p:cNvSpPr>
+            <a:spLocks noGrp="1"/>
+          </p:cNvSpPr>
+          <p:nvPr>
+            <p:ph idx="1"/>
+          </p:nvPr>
+        </p:nvSpPr>
+        <p:spPr>
+          <a:xfrm>
+            <a:off x="0" y="2084851"/>
+            <a:ext cx="12192000" cy="2404863"/>
+          </a:xfrm>
+        </p:spPr>
+        <p:txBody>
+          <a:bodyPr anchor="ctr">
+            <a:normAutofit/>
+          </a:bodyPr>
+          <a:lstStyle/>
+          <a:p>
+            <a:pPr algn="ctr">
+              <a:buNone/>
+            </a:pPr>
+            <a:r>
+              <a:rPr lang="zh-TW" altLang="en-US" sz="6400" b="1" dirty="0">
+                <a:solidFill>
+                  <a:srgbClr val="660033"/>
+                </a:solidFill>
+                <a:latin typeface="Microsoft JhengHei" panose="020B0604030504040204" pitchFamily="34" charset="-120"/>
+                <a:ea typeface="Microsoft JhengHei" panose="020B0604030504040204" pitchFamily="34" charset="-120"/>
+              </a:rPr>
+              <a:t>讚美</a:t>
+            </a:r>
+            <a:r>
+              <a:rPr lang="zh-CN" altLang="en-US" sz="6400" b="1" dirty="0">
+                <a:solidFill>
+                  <a:srgbClr val="660033"/>
+                </a:solidFill>
+                <a:latin typeface="Microsoft JhengHei" panose="020B0604030504040204" pitchFamily="34" charset="-120"/>
+                <a:ea typeface="Microsoft JhengHei" panose="020B0604030504040204" pitchFamily="34" charset="-120"/>
+              </a:rPr>
+              <a:t>主哈利路亞</a:t>
+            </a:r>
+            <a:endParaRPr lang="en-US" altLang="zh-TW" sz="6400" b="1" dirty="0">
+              <a:solidFill>
+                <a:srgbClr val="660033"/>
+              </a:solidFill>
+              <a:latin typeface="Microsoft JhengHei" panose="020B0604030504040204" pitchFamily="34" charset="-120"/>
+              <a:ea typeface="Microsoft JhengHei" panose="020B0604030504040204" pitchFamily="34" charset="-120"/>
+            </a:endParaRPr>
+          </a:p>
+          <a:p>
+            <a:pPr algn="ctr">
+              <a:buNone/>
+            </a:pPr>
+            <a:r>
+              <a:rPr lang="zh-CN" altLang="en-US" sz="6400" b="1" dirty="0">
+                <a:solidFill>
+                  <a:srgbClr val="660033"/>
+                </a:solidFill>
+                <a:latin typeface="Microsoft JhengHei" panose="020B0604030504040204" pitchFamily="34" charset="-120"/>
+                <a:ea typeface="Microsoft JhengHei" panose="020B0604030504040204" pitchFamily="34" charset="-120"/>
+              </a:rPr>
+              <a:t>哈利路</a:t>
+            </a:r>
+            <a:r>
+              <a:rPr lang="zh-CN" altLang="en-US" sz="6400" b="1" dirty="0">
+                <a:solidFill>
+                  <a:srgbClr val="660033"/>
+                </a:solidFill>
+                <a:latin typeface="Microsoft JhengHei" panose="020B0604030504040204" pitchFamily="34" charset="-120"/>
+                <a:ea typeface="Microsoft JhengHei" panose="020B0604030504040204" pitchFamily="34" charset="-120"/>
+              </a:rPr>
+              <a:t>亞  哈</a:t>
+            </a:r>
+            <a:r>
+              <a:rPr lang="zh-CN" altLang="en-US" sz="6400" b="1" dirty="0">
+                <a:solidFill>
+                  <a:srgbClr val="660033"/>
+                </a:solidFill>
+                <a:latin typeface="Microsoft JhengHei" panose="020B0604030504040204" pitchFamily="34" charset="-120"/>
+                <a:ea typeface="Microsoft JhengHei" panose="020B0604030504040204" pitchFamily="34" charset="-120"/>
+              </a:rPr>
+              <a:t>利路亞</a:t>
+            </a:r>
+            <a:endParaRPr lang="en-US" altLang="zh-TW" sz="6400" b="1" dirty="0">
+              <a:solidFill>
+                <a:srgbClr val="660033"/>
+              </a:solidFill>
+              <a:latin typeface="Microsoft JhengHei" panose="020B0604030504040204" pitchFamily="34" charset="-120"/>
+              <a:ea typeface="Microsoft JhengHei" panose="020B0604030504040204" pitchFamily="34" charset="-120"/>
+            </a:endParaRPr>
+          </a:p>
+        </p:txBody>
+      </p:sp>
+      <p:sp>
+        <p:nvSpPr>
+          <p:cNvPr id="2" name="TextBox 1"/>
+          <p:cNvSpPr txBox="1"/>
+          <p:nvPr/>
+        </p:nvSpPr>
+        <p:spPr>
+          <a:xfrm>
+            <a:off x="0" y="5253203"/>
+            <a:ext cx="12192000" cy="748988"/>
+          </a:xfrm>
+          <a:prstGeom prst="rect">
+            <a:avLst/>
+          </a:prstGeom>
+          <a:noFill/>
+        </p:spPr>
+        <p:txBody>
+          <a:bodyPr wrap="square" rtlCol="0">
+            <a:spAutoFit/>
+          </a:bodyPr>
+          <a:lstStyle/>
+          <a:p>
+            <a:pPr algn="ctr"/>
+            <a:r>
+              <a:rPr lang="en-US" sz="4267" b="1" dirty="0">
+                <a:solidFill>
+                  <a:srgbClr val="660033"/>
+                </a:solidFill>
+              </a:rPr>
+              <a:t>( x2 )</a:t>
+            </a:r>
+            <a:endParaRPr lang="vi-VN" sz="4267" b="1" dirty="0">
+              <a:solidFill>
+                <a:srgbClr val="660033"/>
+              </a:solidFill>
+            </a:endParaRPr>
+          </a:p>
+        </p:txBody>
+      </p:sp>
+    </p:spTree>
+    <p:extLst>
+      <p:ext uri="{BB962C8B-B14F-4D97-AF65-F5344CB8AC3E}">
+        <p14:creationId xmlns:p14="http://schemas.microsoft.com/office/powerpoint/2010/main" val="3032793521"/>
+      </p:ext>
+    </p:extLst>
+  </p:cSld>
+  <p:clrMapOvr>
+    <a:masterClrMapping/>
+  </p:clrMapOvr>
+</p:sld>
+</file>
+
+<file path=ppt/slides/slide8.xml><?xml version="1.0" encoding="utf-8"?>
+<p:sld xmlns:a="http://schemas.openxmlformats.org/drawingml/2006/main" xmlns:r="http://schemas.openxmlformats.org/officeDocument/2006/relationships" xmlns:p="http://schemas.openxmlformats.org/presentationml/2006/main">
+  <p:cSld>
+    <p:spTree>
+      <p:nvGrpSpPr>
+        <p:cNvPr id="1" name=""/>
+        <p:cNvGrpSpPr/>
+        <p:nvPr/>
+      </p:nvGrpSpPr>
+      <p:grpSpPr>
+        <a:xfrm>
+          <a:off x="0" y="0"/>
+          <a:ext cx="0" cy="0"/>
+          <a:chOff x="0" y="0"/>
+          <a:chExt cx="0" cy="0"/>
+        </a:xfrm>
+      </p:grpSpPr>
+      <p:sp>
+        <p:nvSpPr>
+          <p:cNvPr id="5" name="內容版面配置區 4"/>
+          <p:cNvSpPr>
+            <a:spLocks noGrp="1"/>
+          </p:cNvSpPr>
+          <p:nvPr>
+            <p:ph idx="1"/>
+          </p:nvPr>
+        </p:nvSpPr>
+        <p:spPr>
+          <a:xfrm>
+            <a:off x="0" y="2084851"/>
+            <a:ext cx="12192000" cy="2404863"/>
+          </a:xfrm>
+        </p:spPr>
+        <p:txBody>
+          <a:bodyPr anchor="ctr">
+            <a:normAutofit/>
+          </a:bodyPr>
+          <a:lstStyle/>
+          <a:p>
+            <a:pPr algn="ctr">
+              <a:buNone/>
+            </a:pPr>
+            <a:r>
+              <a:rPr lang="zh-TW" altLang="en-US" sz="6400" b="1" dirty="0">
+                <a:solidFill>
+                  <a:srgbClr val="660033"/>
+                </a:solidFill>
+                <a:latin typeface="微軟正黑體" pitchFamily="34" charset="-120"/>
+                <a:ea typeface="微軟正黑體" pitchFamily="34" charset="-120"/>
+              </a:rPr>
+              <a:t>我</a:t>
+            </a:r>
+            <a:r>
+              <a:rPr lang="zh-TW" altLang="en-US" sz="6400" b="1" dirty="0">
+                <a:solidFill>
+                  <a:srgbClr val="660033"/>
+                </a:solidFill>
+                <a:latin typeface="微軟正黑體" pitchFamily="34" charset="-120"/>
+                <a:ea typeface="微軟正黑體" pitchFamily="34" charset="-120"/>
+              </a:rPr>
+              <a:t>在這</a:t>
+            </a:r>
+            <a:r>
+              <a:rPr lang="zh-TW" altLang="en-US" sz="6400" b="1" dirty="0">
+                <a:solidFill>
+                  <a:srgbClr val="660033"/>
+                </a:solidFill>
+                <a:latin typeface="微軟正黑體" pitchFamily="34" charset="-120"/>
+                <a:ea typeface="微軟正黑體" pitchFamily="34" charset="-120"/>
+              </a:rPr>
+              <a:t>裡</a:t>
+            </a:r>
+            <a:r>
+              <a:rPr lang="zh-CN" altLang="en-US" sz="6400" b="1" dirty="0">
+                <a:solidFill>
+                  <a:srgbClr val="660033"/>
+                </a:solidFill>
+                <a:latin typeface="微軟正黑體" pitchFamily="34" charset="-120"/>
+                <a:ea typeface="微軟正黑體" pitchFamily="34" charset="-120"/>
+              </a:rPr>
+              <a:t>感謝  </a:t>
+            </a:r>
+            <a:r>
+              <a:rPr lang="zh-TW" altLang="en-US" sz="6400" b="1" dirty="0">
+                <a:solidFill>
+                  <a:srgbClr val="660033"/>
+                </a:solidFill>
+                <a:latin typeface="微軟正黑體" pitchFamily="34" charset="-120"/>
+                <a:ea typeface="微軟正黑體" pitchFamily="34" charset="-120"/>
+              </a:rPr>
+              <a:t>我在那</a:t>
+            </a:r>
+            <a:r>
+              <a:rPr lang="zh-TW" altLang="en-US" sz="6400" b="1" dirty="0">
+                <a:solidFill>
+                  <a:srgbClr val="660033"/>
+                </a:solidFill>
+                <a:latin typeface="微軟正黑體" pitchFamily="34" charset="-120"/>
+                <a:ea typeface="微軟正黑體" pitchFamily="34" charset="-120"/>
+              </a:rPr>
+              <a:t>裡</a:t>
+            </a:r>
+            <a:r>
+              <a:rPr lang="zh-CN" altLang="en-US" sz="6400" b="1" dirty="0">
+                <a:solidFill>
+                  <a:srgbClr val="660033"/>
+                </a:solidFill>
+                <a:latin typeface="微軟正黑體" pitchFamily="34" charset="-120"/>
+                <a:ea typeface="微軟正黑體" pitchFamily="34" charset="-120"/>
+              </a:rPr>
+              <a:t>感謝</a:t>
+            </a:r>
+            <a:endParaRPr lang="en-US" altLang="zh-TW" sz="6400" b="1" dirty="0">
+              <a:solidFill>
+                <a:srgbClr val="660033"/>
+              </a:solidFill>
+              <a:latin typeface="微軟正黑體" pitchFamily="34" charset="-120"/>
+              <a:ea typeface="微軟正黑體" pitchFamily="34" charset="-120"/>
+            </a:endParaRPr>
+          </a:p>
+          <a:p>
+            <a:pPr algn="ctr">
+              <a:buNone/>
+            </a:pPr>
+            <a:r>
+              <a:rPr lang="zh-TW" altLang="en-US" sz="6400" b="1" dirty="0">
+                <a:solidFill>
+                  <a:srgbClr val="660033"/>
+                </a:solidFill>
+                <a:latin typeface="微軟正黑體" pitchFamily="34" charset="-120"/>
+                <a:ea typeface="微軟正黑體" pitchFamily="34" charset="-120"/>
+              </a:rPr>
+              <a:t>我在任何地方都是</a:t>
+            </a:r>
+            <a:r>
+              <a:rPr lang="zh-TW" altLang="en-US" sz="6400" b="1" dirty="0">
+                <a:solidFill>
+                  <a:srgbClr val="660033"/>
+                </a:solidFill>
+                <a:latin typeface="微軟正黑體" pitchFamily="34" charset="-120"/>
+                <a:ea typeface="微軟正黑體" pitchFamily="34" charset="-120"/>
+              </a:rPr>
+              <a:t>要</a:t>
+            </a:r>
+            <a:r>
+              <a:rPr lang="zh-CN" altLang="en-US" sz="6400" b="1" dirty="0">
+                <a:solidFill>
+                  <a:srgbClr val="660033"/>
+                </a:solidFill>
+                <a:latin typeface="微軟正黑體" pitchFamily="34" charset="-120"/>
+                <a:ea typeface="微軟正黑體" pitchFamily="34" charset="-120"/>
+              </a:rPr>
+              <a:t>感謝</a:t>
+            </a:r>
+            <a:endParaRPr lang="en-US" altLang="zh-TW" sz="6400" b="1" dirty="0">
+              <a:solidFill>
+                <a:srgbClr val="660033"/>
+              </a:solidFill>
+              <a:latin typeface="微軟正黑體" pitchFamily="34" charset="-120"/>
+              <a:ea typeface="微軟正黑體" pitchFamily="34" charset="-120"/>
+            </a:endParaRPr>
+          </a:p>
+        </p:txBody>
+      </p:sp>
+      <p:sp>
+        <p:nvSpPr>
+          <p:cNvPr id="3" name="TextBox 2"/>
+          <p:cNvSpPr txBox="1"/>
+          <p:nvPr/>
+        </p:nvSpPr>
+        <p:spPr>
+          <a:xfrm>
+            <a:off x="0" y="5253203"/>
+            <a:ext cx="12192000" cy="748988"/>
+          </a:xfrm>
+          <a:prstGeom prst="rect">
+            <a:avLst/>
+          </a:prstGeom>
+          <a:noFill/>
+        </p:spPr>
+        <p:txBody>
+          <a:bodyPr wrap="square" rtlCol="0">
+            <a:spAutoFit/>
+          </a:bodyPr>
+          <a:lstStyle/>
+          <a:p>
+            <a:pPr algn="ctr"/>
+            <a:r>
+              <a:rPr lang="en-US" sz="4267" b="1" dirty="0">
+                <a:solidFill>
+                  <a:srgbClr val="660033"/>
+                </a:solidFill>
+              </a:rPr>
+              <a:t>( x2 )</a:t>
+            </a:r>
+            <a:endParaRPr lang="vi-VN" sz="4267" b="1" dirty="0">
+              <a:solidFill>
+                <a:srgbClr val="660033"/>
+              </a:solidFill>
+            </a:endParaRPr>
+          </a:p>
+        </p:txBody>
+      </p:sp>
+    </p:spTree>
+    <p:extLst>
+      <p:ext uri="{BB962C8B-B14F-4D97-AF65-F5344CB8AC3E}">
+        <p14:creationId xmlns:p14="http://schemas.microsoft.com/office/powerpoint/2010/main" val="1121425154"/>
+      </p:ext>
+    </p:extLst>
+  </p:cSld>
+  <p:clrMapOvr>
+    <a:masterClrMapping/>
+  </p:clrMapOvr>
+</p:sld>
+</file>
+
+<file path=ppt/slides/slide9.xml><?xml version="1.0" encoding="utf-8"?>
+<p:sld xmlns:a="http://schemas.openxmlformats.org/drawingml/2006/main" xmlns:r="http://schemas.openxmlformats.org/officeDocument/2006/relationships" xmlns:p="http://schemas.openxmlformats.org/presentationml/2006/main">
+  <p:cSld>
+    <p:spTree>
+      <p:nvGrpSpPr>
+        <p:cNvPr id="1" name=""/>
+        <p:cNvGrpSpPr/>
+        <p:nvPr/>
+      </p:nvGrpSpPr>
+      <p:grpSpPr>
+        <a:xfrm>
+          <a:off x="0" y="0"/>
+          <a:ext cx="0" cy="0"/>
+          <a:chOff x="0" y="0"/>
+          <a:chExt cx="0" cy="0"/>
+        </a:xfrm>
+      </p:grpSpPr>
+      <p:sp>
+        <p:nvSpPr>
+          <p:cNvPr id="5" name="內容版面配置區 4"/>
+          <p:cNvSpPr>
+            <a:spLocks noGrp="1"/>
+          </p:cNvSpPr>
+          <p:nvPr>
+            <p:ph idx="1"/>
+          </p:nvPr>
+        </p:nvSpPr>
+        <p:spPr>
+          <a:xfrm>
+            <a:off x="0" y="2084851"/>
+            <a:ext cx="12192000" cy="2404863"/>
+          </a:xfrm>
+        </p:spPr>
+        <p:txBody>
+          <a:bodyPr anchor="ctr">
+            <a:normAutofit/>
+          </a:bodyPr>
+          <a:lstStyle/>
+          <a:p>
+            <a:pPr algn="ctr">
+              <a:buNone/>
+            </a:pPr>
+            <a:r>
+              <a:rPr lang="zh-TW" altLang="en-US" sz="6400" b="1" dirty="0">
+                <a:solidFill>
+                  <a:srgbClr val="660033"/>
+                </a:solidFill>
+                <a:latin typeface="Microsoft JhengHei" panose="020B0604030504040204" pitchFamily="34" charset="-120"/>
+                <a:ea typeface="Microsoft JhengHei" panose="020B0604030504040204" pitchFamily="34" charset="-120"/>
+              </a:rPr>
+              <a:t>讚美</a:t>
+            </a:r>
+            <a:r>
+              <a:rPr lang="zh-CN" altLang="en-US" sz="6400" b="1" dirty="0">
+                <a:solidFill>
+                  <a:srgbClr val="660033"/>
+                </a:solidFill>
+                <a:latin typeface="Microsoft JhengHei" panose="020B0604030504040204" pitchFamily="34" charset="-120"/>
+                <a:ea typeface="Microsoft JhengHei" panose="020B0604030504040204" pitchFamily="34" charset="-120"/>
+              </a:rPr>
+              <a:t>主哈利路亞</a:t>
+            </a:r>
+            <a:endParaRPr lang="en-US" altLang="zh-TW" sz="6400" b="1" dirty="0">
+              <a:solidFill>
+                <a:srgbClr val="660033"/>
+              </a:solidFill>
+              <a:latin typeface="Microsoft JhengHei" panose="020B0604030504040204" pitchFamily="34" charset="-120"/>
+              <a:ea typeface="Microsoft JhengHei" panose="020B0604030504040204" pitchFamily="34" charset="-120"/>
+            </a:endParaRPr>
+          </a:p>
+          <a:p>
+            <a:pPr algn="ctr">
+              <a:buNone/>
+            </a:pPr>
+            <a:r>
+              <a:rPr lang="zh-CN" altLang="en-US" sz="6400" b="1" dirty="0">
+                <a:solidFill>
+                  <a:srgbClr val="660033"/>
+                </a:solidFill>
+                <a:latin typeface="Microsoft JhengHei" panose="020B0604030504040204" pitchFamily="34" charset="-120"/>
+                <a:ea typeface="Microsoft JhengHei" panose="020B0604030504040204" pitchFamily="34" charset="-120"/>
+              </a:rPr>
+              <a:t>哈利路</a:t>
+            </a:r>
+            <a:r>
+              <a:rPr lang="zh-CN" altLang="en-US" sz="6400" b="1" dirty="0">
+                <a:solidFill>
+                  <a:srgbClr val="660033"/>
+                </a:solidFill>
+                <a:latin typeface="Microsoft JhengHei" panose="020B0604030504040204" pitchFamily="34" charset="-120"/>
+                <a:ea typeface="Microsoft JhengHei" panose="020B0604030504040204" pitchFamily="34" charset="-120"/>
+              </a:rPr>
+              <a:t>亞  哈</a:t>
+            </a:r>
+            <a:r>
+              <a:rPr lang="zh-CN" altLang="en-US" sz="6400" b="1" dirty="0">
+                <a:solidFill>
+                  <a:srgbClr val="660033"/>
+                </a:solidFill>
+                <a:latin typeface="Microsoft JhengHei" panose="020B0604030504040204" pitchFamily="34" charset="-120"/>
+                <a:ea typeface="Microsoft JhengHei" panose="020B0604030504040204" pitchFamily="34" charset="-120"/>
+              </a:rPr>
+              <a:t>利路亞</a:t>
+            </a:r>
+            <a:endParaRPr lang="en-US" altLang="zh-TW" sz="6400" b="1" dirty="0">
+              <a:solidFill>
+                <a:srgbClr val="660033"/>
+              </a:solidFill>
+              <a:latin typeface="Microsoft JhengHei" panose="020B0604030504040204" pitchFamily="34" charset="-120"/>
+              <a:ea typeface="Microsoft JhengHei" panose="020B0604030504040204" pitchFamily="34" charset="-120"/>
+            </a:endParaRPr>
+          </a:p>
+        </p:txBody>
+      </p:sp>
+      <p:sp>
+        <p:nvSpPr>
+          <p:cNvPr id="2" name="TextBox 1"/>
+          <p:cNvSpPr txBox="1"/>
+          <p:nvPr/>
+        </p:nvSpPr>
+        <p:spPr>
+          <a:xfrm>
+            <a:off x="0" y="5253203"/>
+            <a:ext cx="12192000" cy="748988"/>
+          </a:xfrm>
+          <a:prstGeom prst="rect">
+            <a:avLst/>
+          </a:prstGeom>
+          <a:noFill/>
+        </p:spPr>
+        <p:txBody>
+          <a:bodyPr wrap="square" rtlCol="0">
+            <a:spAutoFit/>
+          </a:bodyPr>
+          <a:lstStyle/>
+          <a:p>
+            <a:pPr algn="ctr"/>
+            <a:r>
+              <a:rPr lang="en-US" sz="4267" b="1" dirty="0">
+                <a:solidFill>
+                  <a:srgbClr val="660033"/>
+                </a:solidFill>
+              </a:rPr>
+              <a:t>( x2 )</a:t>
+            </a:r>
+            <a:endParaRPr lang="vi-VN" sz="4267" b="1" dirty="0">
+              <a:solidFill>
+                <a:srgbClr val="660033"/>
+              </a:solidFill>
+            </a:endParaRPr>
+          </a:p>
+        </p:txBody>
+      </p:sp>
+    </p:spTree>
+    <p:extLst>
+      <p:ext uri="{BB962C8B-B14F-4D97-AF65-F5344CB8AC3E}">
+        <p14:creationId xmlns:p14="http://schemas.microsoft.com/office/powerpoint/2010/main" val="2657400790"/>
+      </p:ext>
+    </p:extLst>
+  </p:cSld>
+  <p:clrMapOvr>
+    <a:masterClrMapping/>
+  </p:clrMapOvr>
 </p:sld>
 </file>
 
